--- a/提案書/別紙3_ECサイトマップ.pptx
+++ b/提案書/別紙3_ECサイトマップ.pptx
@@ -4917,8 +4917,8 @@
         </p:nvSpPr>
         <p:spPr>
           <a:xfrm>
-            <a:off x="4301516" y="1144644"/>
-            <a:ext cx="1036043" cy="523220"/>
+            <a:off x="4267310" y="1144644"/>
+            <a:ext cx="1284658" cy="523220"/>
           </a:xfrm>
           <a:prstGeom prst="rect">
             <a:avLst/>
@@ -5015,8 +5015,8 @@
         </p:nvSpPr>
         <p:spPr>
           <a:xfrm>
-            <a:off x="4267310" y="5660990"/>
-            <a:ext cx="1185201" cy="307777"/>
+            <a:off x="4267310" y="4785499"/>
+            <a:ext cx="1284658" cy="307777"/>
           </a:xfrm>
           <a:prstGeom prst="rect">
             <a:avLst/>
@@ -5061,8 +5061,8 @@
         </p:nvSpPr>
         <p:spPr>
           <a:xfrm>
-            <a:off x="4267310" y="6061271"/>
-            <a:ext cx="983142" cy="307777"/>
+            <a:off x="4267309" y="5176052"/>
+            <a:ext cx="1284657" cy="307777"/>
           </a:xfrm>
           <a:prstGeom prst="rect">
             <a:avLst/>
@@ -5106,7 +5106,7 @@
         </p:nvSpPr>
         <p:spPr>
           <a:xfrm>
-            <a:off x="4267310" y="5265509"/>
+            <a:off x="4267310" y="5712988"/>
             <a:ext cx="2043855" cy="307777"/>
           </a:xfrm>
           <a:prstGeom prst="rect">
@@ -5152,7 +5152,7 @@
         </p:nvSpPr>
         <p:spPr>
           <a:xfrm>
-            <a:off x="4267310" y="4865228"/>
+            <a:off x="4267310" y="4291292"/>
             <a:ext cx="1284658" cy="307777"/>
           </a:xfrm>
           <a:prstGeom prst="rect">
@@ -5382,7 +5382,7 @@
         </p:nvSpPr>
         <p:spPr>
           <a:xfrm>
-            <a:off x="4267310" y="3716519"/>
+            <a:off x="4267310" y="3930531"/>
             <a:ext cx="1284658" cy="307777"/>
           </a:xfrm>
           <a:prstGeom prst="rect">
@@ -5428,7 +5428,7 @@
         </p:nvSpPr>
         <p:spPr>
           <a:xfrm>
-            <a:off x="4267310" y="4470854"/>
+            <a:off x="4267310" y="1766556"/>
             <a:ext cx="1284658" cy="307777"/>
           </a:xfrm>
           <a:prstGeom prst="rect">
@@ -5474,7 +5474,7 @@
         </p:nvSpPr>
         <p:spPr>
           <a:xfrm>
-            <a:off x="5897202" y="3048172"/>
+            <a:off x="5897202" y="3320554"/>
             <a:ext cx="1116795" cy="307777"/>
           </a:xfrm>
           <a:prstGeom prst="rect">
@@ -5520,7 +5520,7 @@
         </p:nvSpPr>
         <p:spPr>
           <a:xfrm>
-            <a:off x="7310076" y="3048171"/>
+            <a:off x="7310076" y="3320553"/>
             <a:ext cx="1116795" cy="307777"/>
           </a:xfrm>
           <a:prstGeom prst="rect">
@@ -5566,7 +5566,7 @@
         <p:spPr>
           <a:xfrm>
             <a:off x="4267310" y="6456752"/>
-            <a:ext cx="983142" cy="307777"/>
+            <a:ext cx="1284656" cy="307777"/>
           </a:xfrm>
           <a:prstGeom prst="rect">
             <a:avLst/>
@@ -5611,7 +5611,7 @@
         </p:nvSpPr>
         <p:spPr>
           <a:xfrm>
-            <a:off x="4301514" y="2561036"/>
+            <a:off x="4267309" y="2832571"/>
             <a:ext cx="1284658" cy="307777"/>
           </a:xfrm>
           <a:prstGeom prst="rect">
@@ -5657,7 +5657,7 @@
         </p:nvSpPr>
         <p:spPr>
           <a:xfrm>
-            <a:off x="5813271" y="2561036"/>
+            <a:off x="5813271" y="2833418"/>
             <a:ext cx="1284658" cy="307777"/>
           </a:xfrm>
           <a:prstGeom prst="rect">
@@ -5703,8 +5703,8 @@
         </p:nvSpPr>
         <p:spPr>
           <a:xfrm>
-            <a:off x="7325028" y="2560189"/>
-            <a:ext cx="1715960" cy="307777"/>
+            <a:off x="7325028" y="2832571"/>
+            <a:ext cx="2071892" cy="307777"/>
           </a:xfrm>
           <a:prstGeom prst="rect">
             <a:avLst/>
@@ -5729,7 +5729,7 @@
           <a:p>
             <a:r>
               <a:rPr lang="ja-JP" altLang="en-US" sz="1400" dirty="0"/>
-              <a:t>口コミ・レビュー</a:t>
+              <a:t>口コミ・レビュー投稿</a:t>
             </a:r>
             <a:endParaRPr lang="en-US" altLang="ja-JP" sz="1400" dirty="0"/>
           </a:p>
@@ -5749,7 +5749,7 @@
         </p:nvSpPr>
         <p:spPr>
           <a:xfrm>
-            <a:off x="4267310" y="4096180"/>
+            <a:off x="4267310" y="2140917"/>
             <a:ext cx="1284658" cy="307777"/>
           </a:xfrm>
           <a:prstGeom prst="rect">
@@ -5799,7 +5799,7 @@
         <p:spPr>
           <a:xfrm>
             <a:off x="3731396" y="1402929"/>
-            <a:ext cx="570120" cy="3325"/>
+            <a:ext cx="535914" cy="3325"/>
           </a:xfrm>
           <a:prstGeom prst="line">
             <a:avLst/>
@@ -5838,8 +5838,8 @@
         </p:nvCxnSpPr>
         <p:spPr>
           <a:xfrm>
-            <a:off x="5337559" y="1406254"/>
-            <a:ext cx="570120" cy="3084"/>
+            <a:off x="5551968" y="1406254"/>
+            <a:ext cx="355711" cy="3084"/>
           </a:xfrm>
           <a:prstGeom prst="line">
             <a:avLst/>
@@ -5878,8 +5878,8 @@
         </p:nvCxnSpPr>
         <p:spPr>
           <a:xfrm rot="16200000" flipH="1">
-            <a:off x="3123267" y="1536678"/>
-            <a:ext cx="1138652" cy="1217842"/>
+            <a:off x="2970397" y="1689547"/>
+            <a:ext cx="1410187" cy="1183637"/>
           </a:xfrm>
           <a:prstGeom prst="bentConnector2">
             <a:avLst/>
@@ -6168,8 +6168,8 @@
         </p:nvCxnSpPr>
         <p:spPr>
           <a:xfrm>
-            <a:off x="5586172" y="2714925"/>
-            <a:ext cx="227099" cy="0"/>
+            <a:off x="5551967" y="2986460"/>
+            <a:ext cx="261304" cy="847"/>
           </a:xfrm>
           <a:prstGeom prst="line">
             <a:avLst/>
@@ -6208,7 +6208,7 @@
         </p:nvCxnSpPr>
         <p:spPr>
           <a:xfrm flipV="1">
-            <a:off x="7097929" y="2714078"/>
+            <a:off x="7097929" y="2986460"/>
             <a:ext cx="227099" cy="847"/>
           </a:xfrm>
           <a:prstGeom prst="line">
@@ -6248,8 +6248,8 @@
         </p:nvCxnSpPr>
         <p:spPr>
           <a:xfrm rot="16200000" flipH="1">
-            <a:off x="3677543" y="982402"/>
-            <a:ext cx="1625788" cy="2813530"/>
+            <a:off x="3541352" y="1118593"/>
+            <a:ext cx="1898170" cy="2813530"/>
           </a:xfrm>
           <a:prstGeom prst="bentConnector2">
             <a:avLst/>
@@ -6288,7 +6288,7 @@
         </p:nvCxnSpPr>
         <p:spPr>
           <a:xfrm flipV="1">
-            <a:off x="6455600" y="2868813"/>
+            <a:off x="6455600" y="3141195"/>
             <a:ext cx="0" cy="179359"/>
           </a:xfrm>
           <a:prstGeom prst="line">
@@ -6328,7 +6328,7 @@
         </p:nvCxnSpPr>
         <p:spPr>
           <a:xfrm flipV="1">
-            <a:off x="7013997" y="3202060"/>
+            <a:off x="7013997" y="3474442"/>
             <a:ext cx="296079" cy="1"/>
           </a:xfrm>
           <a:prstGeom prst="line">
@@ -6368,8 +6368,8 @@
         </p:nvCxnSpPr>
         <p:spPr>
           <a:xfrm rot="16200000" flipH="1">
-            <a:off x="2528424" y="2131521"/>
-            <a:ext cx="2294135" cy="1183638"/>
+            <a:off x="2421418" y="2238527"/>
+            <a:ext cx="2508147" cy="1183638"/>
           </a:xfrm>
           <a:prstGeom prst="bentConnector2">
             <a:avLst/>
@@ -6408,8 +6408,8 @@
         </p:nvCxnSpPr>
         <p:spPr>
           <a:xfrm rot="16200000" flipH="1">
-            <a:off x="2338593" y="2321352"/>
-            <a:ext cx="2673796" cy="1183638"/>
+            <a:off x="3316225" y="1343720"/>
+            <a:ext cx="718533" cy="1183638"/>
           </a:xfrm>
           <a:prstGeom prst="bentConnector2">
             <a:avLst/>
@@ -6448,8 +6448,8 @@
         </p:nvCxnSpPr>
         <p:spPr>
           <a:xfrm rot="16200000" flipH="1">
-            <a:off x="2151256" y="2508689"/>
-            <a:ext cx="3048470" cy="1183638"/>
+            <a:off x="3503405" y="1156540"/>
+            <a:ext cx="344172" cy="1183638"/>
           </a:xfrm>
           <a:prstGeom prst="bentConnector2">
             <a:avLst/>
@@ -6488,8 +6488,8 @@
         </p:nvCxnSpPr>
         <p:spPr>
           <a:xfrm rot="16200000" flipH="1">
-            <a:off x="1954069" y="2705876"/>
-            <a:ext cx="3442844" cy="1183638"/>
+            <a:off x="2241037" y="2418908"/>
+            <a:ext cx="2868908" cy="1183638"/>
           </a:xfrm>
           <a:prstGeom prst="bentConnector2">
             <a:avLst/>
@@ -6528,8 +6528,8 @@
         </p:nvCxnSpPr>
         <p:spPr>
           <a:xfrm rot="16200000" flipH="1">
-            <a:off x="1753929" y="2906016"/>
-            <a:ext cx="3843125" cy="1183638"/>
+            <a:off x="1530189" y="3129756"/>
+            <a:ext cx="4290604" cy="1183638"/>
           </a:xfrm>
           <a:prstGeom prst="bentConnector2">
             <a:avLst/>
@@ -6568,8 +6568,8 @@
         </p:nvCxnSpPr>
         <p:spPr>
           <a:xfrm rot="16200000" flipH="1">
-            <a:off x="1556188" y="3103757"/>
-            <a:ext cx="4238606" cy="1183638"/>
+            <a:off x="1993934" y="2666011"/>
+            <a:ext cx="3363115" cy="1183638"/>
           </a:xfrm>
           <a:prstGeom prst="bentConnector2">
             <a:avLst/>
@@ -6608,8 +6608,8 @@
         </p:nvCxnSpPr>
         <p:spPr>
           <a:xfrm rot="16200000" flipH="1">
-            <a:off x="1356048" y="3303897"/>
-            <a:ext cx="4638887" cy="1183638"/>
+            <a:off x="1798656" y="2861288"/>
+            <a:ext cx="3753668" cy="1183637"/>
           </a:xfrm>
           <a:prstGeom prst="bentConnector2">
             <a:avLst/>
@@ -6762,6 +6762,180 @@
           </a:p>
         </p:txBody>
       </p:sp>
+      <p:sp>
+        <p:nvSpPr>
+          <p:cNvPr id="15" name="テキスト ボックス 14">
+            <a:extLst>
+              <a:ext uri="{FF2B5EF4-FFF2-40B4-BE49-F238E27FC236}">
+                <a16:creationId xmlns:a16="http://schemas.microsoft.com/office/drawing/2014/main" id="{1D53B516-3D16-26E3-859B-15F86F3998FC}"/>
+              </a:ext>
+            </a:extLst>
+          </p:cNvPr>
+          <p:cNvSpPr txBox="1"/>
+          <p:nvPr/>
+        </p:nvSpPr>
+        <p:spPr>
+          <a:xfrm>
+            <a:off x="5904435" y="824188"/>
+            <a:ext cx="1143048" cy="307777"/>
+          </a:xfrm>
+          <a:prstGeom prst="rect">
+            <a:avLst/>
+          </a:prstGeom>
+          <a:solidFill>
+            <a:schemeClr val="accent4">
+              <a:lumMod val="20000"/>
+              <a:lumOff val="80000"/>
+            </a:schemeClr>
+          </a:solidFill>
+          <a:ln>
+            <a:solidFill>
+              <a:schemeClr val="accent1"/>
+            </a:solidFill>
+          </a:ln>
+        </p:spPr>
+        <p:txBody>
+          <a:bodyPr wrap="square" rtlCol="0" anchor="ctr" anchorCtr="1">
+            <a:spAutoFit/>
+          </a:bodyPr>
+          <a:lstStyle/>
+          <a:p>
+            <a:r>
+              <a:rPr lang="ja-JP" altLang="en-US" sz="1400" dirty="0"/>
+              <a:t>新規登録</a:t>
+            </a:r>
+            <a:endParaRPr lang="en-US" altLang="ja-JP" sz="1400" dirty="0"/>
+          </a:p>
+        </p:txBody>
+      </p:sp>
+      <p:cxnSp>
+        <p:nvCxnSpPr>
+          <p:cNvPr id="16" name="コネクタ: カギ線 15">
+            <a:extLst>
+              <a:ext uri="{FF2B5EF4-FFF2-40B4-BE49-F238E27FC236}">
+                <a16:creationId xmlns:a16="http://schemas.microsoft.com/office/drawing/2014/main" id="{2C06E5EB-AB2A-6957-862C-9DC3D8E44183}"/>
+              </a:ext>
+            </a:extLst>
+          </p:cNvPr>
+          <p:cNvCxnSpPr>
+            <a:cxnSpLocks/>
+            <a:stCxn id="5" idx="3"/>
+            <a:endCxn id="15" idx="1"/>
+          </p:cNvCxnSpPr>
+          <p:nvPr/>
+        </p:nvCxnSpPr>
+        <p:spPr>
+          <a:xfrm flipV="1">
+            <a:off x="5551968" y="978077"/>
+            <a:ext cx="352467" cy="428177"/>
+          </a:xfrm>
+          <a:prstGeom prst="bentConnector3">
+            <a:avLst>
+              <a:gd name="adj1" fmla="val 50000"/>
+            </a:avLst>
+          </a:prstGeom>
+        </p:spPr>
+        <p:style>
+          <a:lnRef idx="2">
+            <a:schemeClr val="accent1"/>
+          </a:lnRef>
+          <a:fillRef idx="0">
+            <a:schemeClr val="accent1"/>
+          </a:fillRef>
+          <a:effectRef idx="1">
+            <a:schemeClr val="accent1"/>
+          </a:effectRef>
+          <a:fontRef idx="minor">
+            <a:schemeClr val="tx1"/>
+          </a:fontRef>
+        </p:style>
+      </p:cxnSp>
+      <p:sp>
+        <p:nvSpPr>
+          <p:cNvPr id="30" name="テキスト ボックス 29">
+            <a:extLst>
+              <a:ext uri="{FF2B5EF4-FFF2-40B4-BE49-F238E27FC236}">
+                <a16:creationId xmlns:a16="http://schemas.microsoft.com/office/drawing/2014/main" id="{AA344F04-5DCA-8611-BD2F-A1AA3D5626CF}"/>
+              </a:ext>
+            </a:extLst>
+          </p:cNvPr>
+          <p:cNvSpPr txBox="1"/>
+          <p:nvPr/>
+        </p:nvSpPr>
+        <p:spPr>
+          <a:xfrm>
+            <a:off x="4267310" y="6091736"/>
+            <a:ext cx="1284656" cy="307777"/>
+          </a:xfrm>
+          <a:prstGeom prst="rect">
+            <a:avLst/>
+          </a:prstGeom>
+          <a:solidFill>
+            <a:schemeClr val="accent4">
+              <a:lumMod val="20000"/>
+              <a:lumOff val="80000"/>
+            </a:schemeClr>
+          </a:solidFill>
+          <a:ln>
+            <a:solidFill>
+              <a:schemeClr val="accent1"/>
+            </a:solidFill>
+          </a:ln>
+        </p:spPr>
+        <p:txBody>
+          <a:bodyPr wrap="square" rtlCol="0" anchor="ctr" anchorCtr="1">
+            <a:spAutoFit/>
+          </a:bodyPr>
+          <a:lstStyle/>
+          <a:p>
+            <a:r>
+              <a:rPr lang="ja-JP" altLang="en-US" sz="1400" dirty="0"/>
+              <a:t>利用規約</a:t>
+            </a:r>
+            <a:endParaRPr lang="en-US" altLang="ja-JP" sz="1400" dirty="0"/>
+          </a:p>
+        </p:txBody>
+      </p:sp>
+      <p:cxnSp>
+        <p:nvCxnSpPr>
+          <p:cNvPr id="32" name="コネクタ: カギ線 31">
+            <a:extLst>
+              <a:ext uri="{FF2B5EF4-FFF2-40B4-BE49-F238E27FC236}">
+                <a16:creationId xmlns:a16="http://schemas.microsoft.com/office/drawing/2014/main" id="{CDF9E07C-785F-57B3-1CBF-22B4C1AA45C8}"/>
+              </a:ext>
+            </a:extLst>
+          </p:cNvPr>
+          <p:cNvCxnSpPr>
+            <a:cxnSpLocks/>
+            <a:stCxn id="4" idx="2"/>
+            <a:endCxn id="30" idx="1"/>
+          </p:cNvCxnSpPr>
+          <p:nvPr/>
+        </p:nvCxnSpPr>
+        <p:spPr>
+          <a:xfrm rot="16200000" flipH="1">
+            <a:off x="1340815" y="3319130"/>
+            <a:ext cx="4669352" cy="1183638"/>
+          </a:xfrm>
+          <a:prstGeom prst="bentConnector2">
+            <a:avLst/>
+          </a:prstGeom>
+        </p:spPr>
+        <p:style>
+          <a:lnRef idx="2">
+            <a:schemeClr val="accent1"/>
+          </a:lnRef>
+          <a:fillRef idx="0">
+            <a:schemeClr val="accent1"/>
+          </a:fillRef>
+          <a:effectRef idx="1">
+            <a:schemeClr val="accent1"/>
+          </a:effectRef>
+          <a:fontRef idx="minor">
+            <a:schemeClr val="tx1"/>
+          </a:fontRef>
+        </p:style>
+      </p:cxnSp>
     </p:spTree>
     <p:extLst>
       <p:ext uri="{BB962C8B-B14F-4D97-AF65-F5344CB8AC3E}">
@@ -7358,7 +7532,7 @@
           <a:p>
             <a:r>
               <a:rPr lang="ja-JP" altLang="en-US" sz="1400" dirty="0"/>
-              <a:t>管理者アカウント・ロール管理</a:t>
+              <a:t>管理者アカウント・権限管理</a:t>
             </a:r>
             <a:endParaRPr lang="en-US" altLang="ja-JP" sz="1400" dirty="0"/>
           </a:p>
@@ -7378,8 +7552,8 @@
         </p:nvSpPr>
         <p:spPr>
           <a:xfrm>
-            <a:off x="4289896" y="5544899"/>
-            <a:ext cx="5924145" cy="1144605"/>
+            <a:off x="4289896" y="5544900"/>
+            <a:ext cx="5924145" cy="527601"/>
           </a:xfrm>
           <a:prstGeom prst="rect">
             <a:avLst/>
@@ -7923,94 +8097,6 @@
           <a:xfrm>
             <a:off x="3386816" y="3309708"/>
             <a:ext cx="1035189" cy="2501183"/>
-          </a:xfrm>
-          <a:prstGeom prst="bentConnector3">
-            <a:avLst>
-              <a:gd name="adj1" fmla="val 50000"/>
-            </a:avLst>
-          </a:prstGeom>
-        </p:spPr>
-        <p:style>
-          <a:lnRef idx="2">
-            <a:schemeClr val="accent1"/>
-          </a:lnRef>
-          <a:fillRef idx="0">
-            <a:schemeClr val="accent1"/>
-          </a:fillRef>
-          <a:effectRef idx="1">
-            <a:schemeClr val="accent1"/>
-          </a:effectRef>
-          <a:fontRef idx="minor">
-            <a:schemeClr val="tx1"/>
-          </a:fontRef>
-        </p:style>
-      </p:cxnSp>
-      <p:sp>
-        <p:nvSpPr>
-          <p:cNvPr id="153" name="テキスト ボックス 152">
-            <a:extLst>
-              <a:ext uri="{FF2B5EF4-FFF2-40B4-BE49-F238E27FC236}">
-                <a16:creationId xmlns:a16="http://schemas.microsoft.com/office/drawing/2014/main" id="{910208A0-2A4A-766C-9B13-F651462274D9}"/>
-              </a:ext>
-            </a:extLst>
-          </p:cNvPr>
-          <p:cNvSpPr txBox="1"/>
-          <p:nvPr/>
-        </p:nvSpPr>
-        <p:spPr>
-          <a:xfrm>
-            <a:off x="4422003" y="6112132"/>
-            <a:ext cx="2829963" cy="307777"/>
-          </a:xfrm>
-          <a:prstGeom prst="rect">
-            <a:avLst/>
-          </a:prstGeom>
-          <a:solidFill>
-            <a:schemeClr val="accent4">
-              <a:lumMod val="20000"/>
-              <a:lumOff val="80000"/>
-            </a:schemeClr>
-          </a:solidFill>
-          <a:ln>
-            <a:solidFill>
-              <a:schemeClr val="accent1"/>
-            </a:solidFill>
-          </a:ln>
-        </p:spPr>
-        <p:txBody>
-          <a:bodyPr wrap="square" rtlCol="0" anchor="ctr" anchorCtr="1">
-            <a:spAutoFit/>
-          </a:bodyPr>
-          <a:lstStyle/>
-          <a:p>
-            <a:r>
-              <a:rPr lang="ja-JP" altLang="en-US" sz="1400" dirty="0"/>
-              <a:t>移行データ取り扱い</a:t>
-            </a:r>
-            <a:endParaRPr lang="en-US" altLang="ja-JP" sz="1400" dirty="0"/>
-          </a:p>
-        </p:txBody>
-      </p:sp>
-      <p:cxnSp>
-        <p:nvCxnSpPr>
-          <p:cNvPr id="154" name="コネクタ: カギ線 153">
-            <a:extLst>
-              <a:ext uri="{FF2B5EF4-FFF2-40B4-BE49-F238E27FC236}">
-                <a16:creationId xmlns:a16="http://schemas.microsoft.com/office/drawing/2014/main" id="{15D717C7-2A8A-A196-E0C8-303F4F6E89A7}"/>
-              </a:ext>
-            </a:extLst>
-          </p:cNvPr>
-          <p:cNvCxnSpPr>
-            <a:cxnSpLocks/>
-            <a:stCxn id="126" idx="3"/>
-            <a:endCxn id="153" idx="1"/>
-          </p:cNvCxnSpPr>
-          <p:nvPr/>
-        </p:nvCxnSpPr>
-        <p:spPr>
-          <a:xfrm>
-            <a:off x="3386816" y="3309708"/>
-            <a:ext cx="1035187" cy="2956313"/>
           </a:xfrm>
           <a:prstGeom prst="bentConnector3">
             <a:avLst>

--- a/提案書/別紙3_ECサイトマップ.pptx
+++ b/提案書/別紙3_ECサイトマップ.pptx
@@ -199,7 +199,7 @@
           <a:p>
             <a:fld id="{B78A6BF9-15A3-449C-A41A-F00F283642E9}" type="datetimeFigureOut">
               <a:rPr kumimoji="1" lang="ja-JP" altLang="en-US" smtClean="0"/>
-              <a:t>2025/7/4</a:t>
+              <a:t>2025/7/7</a:t>
             </a:fld>
             <a:endParaRPr kumimoji="1" lang="ja-JP" altLang="en-US"/>
           </a:p>
@@ -1003,7 +1003,7 @@
           <a:p>
             <a:fld id="{55901588-BD2C-4781-A6F0-C1FE1912C7A8}" type="datetimeFigureOut">
               <a:rPr kumimoji="1" lang="ja-JP" altLang="en-US" smtClean="0"/>
-              <a:t>2025/7/4</a:t>
+              <a:t>2025/7/7</a:t>
             </a:fld>
             <a:endParaRPr kumimoji="1" lang="ja-JP" altLang="en-US"/>
           </a:p>
@@ -1233,7 +1233,7 @@
           <a:p>
             <a:fld id="{55901588-BD2C-4781-A6F0-C1FE1912C7A8}" type="datetimeFigureOut">
               <a:rPr kumimoji="1" lang="ja-JP" altLang="en-US" smtClean="0"/>
-              <a:t>2025/7/4</a:t>
+              <a:t>2025/7/7</a:t>
             </a:fld>
             <a:endParaRPr kumimoji="1" lang="ja-JP" altLang="en-US"/>
           </a:p>
@@ -1473,7 +1473,7 @@
           <a:p>
             <a:fld id="{55901588-BD2C-4781-A6F0-C1FE1912C7A8}" type="datetimeFigureOut">
               <a:rPr kumimoji="1" lang="ja-JP" altLang="en-US" smtClean="0"/>
-              <a:t>2025/7/4</a:t>
+              <a:t>2025/7/7</a:t>
             </a:fld>
             <a:endParaRPr kumimoji="1" lang="ja-JP" altLang="en-US"/>
           </a:p>
@@ -2062,7 +2062,7 @@
           <a:p>
             <a:fld id="{55901588-BD2C-4781-A6F0-C1FE1912C7A8}" type="datetimeFigureOut">
               <a:rPr kumimoji="1" lang="ja-JP" altLang="en-US" smtClean="0"/>
-              <a:t>2025/7/4</a:t>
+              <a:t>2025/7/7</a:t>
             </a:fld>
             <a:endParaRPr kumimoji="1" lang="ja-JP" altLang="en-US"/>
           </a:p>
@@ -2337,7 +2337,7 @@
           <a:p>
             <a:fld id="{55901588-BD2C-4781-A6F0-C1FE1912C7A8}" type="datetimeFigureOut">
               <a:rPr kumimoji="1" lang="ja-JP" altLang="en-US" smtClean="0"/>
-              <a:t>2025/7/4</a:t>
+              <a:t>2025/7/7</a:t>
             </a:fld>
             <a:endParaRPr kumimoji="1" lang="ja-JP" altLang="en-US"/>
           </a:p>
@@ -2666,7 +2666,7 @@
           <a:p>
             <a:fld id="{55901588-BD2C-4781-A6F0-C1FE1912C7A8}" type="datetimeFigureOut">
               <a:rPr kumimoji="1" lang="ja-JP" altLang="en-US" smtClean="0"/>
-              <a:t>2025/7/4</a:t>
+              <a:t>2025/7/7</a:t>
             </a:fld>
             <a:endParaRPr kumimoji="1" lang="ja-JP" altLang="en-US"/>
           </a:p>
@@ -3142,7 +3142,7 @@
           <a:p>
             <a:fld id="{55901588-BD2C-4781-A6F0-C1FE1912C7A8}" type="datetimeFigureOut">
               <a:rPr kumimoji="1" lang="ja-JP" altLang="en-US" smtClean="0"/>
-              <a:t>2025/7/4</a:t>
+              <a:t>2025/7/7</a:t>
             </a:fld>
             <a:endParaRPr kumimoji="1" lang="ja-JP" altLang="en-US"/>
           </a:p>
@@ -3283,7 +3283,7 @@
           <a:p>
             <a:fld id="{55901588-BD2C-4781-A6F0-C1FE1912C7A8}" type="datetimeFigureOut">
               <a:rPr kumimoji="1" lang="ja-JP" altLang="en-US" smtClean="0"/>
-              <a:t>2025/7/4</a:t>
+              <a:t>2025/7/7</a:t>
             </a:fld>
             <a:endParaRPr kumimoji="1" lang="ja-JP" altLang="en-US"/>
           </a:p>
@@ -3396,7 +3396,7 @@
           <a:p>
             <a:fld id="{55901588-BD2C-4781-A6F0-C1FE1912C7A8}" type="datetimeFigureOut">
               <a:rPr kumimoji="1" lang="ja-JP" altLang="en-US" smtClean="0"/>
-              <a:t>2025/7/4</a:t>
+              <a:t>2025/7/7</a:t>
             </a:fld>
             <a:endParaRPr kumimoji="1" lang="ja-JP" altLang="en-US"/>
           </a:p>
@@ -3739,7 +3739,7 @@
           <a:p>
             <a:fld id="{55901588-BD2C-4781-A6F0-C1FE1912C7A8}" type="datetimeFigureOut">
               <a:rPr kumimoji="1" lang="ja-JP" altLang="en-US" smtClean="0"/>
-              <a:t>2025/7/4</a:t>
+              <a:t>2025/7/7</a:t>
             </a:fld>
             <a:endParaRPr kumimoji="1" lang="ja-JP" altLang="en-US"/>
           </a:p>
@@ -4027,7 +4027,7 @@
           <a:p>
             <a:fld id="{55901588-BD2C-4781-A6F0-C1FE1912C7A8}" type="datetimeFigureOut">
               <a:rPr kumimoji="1" lang="ja-JP" altLang="en-US" smtClean="0"/>
-              <a:t>2025/7/4</a:t>
+              <a:t>2025/7/7</a:t>
             </a:fld>
             <a:endParaRPr kumimoji="1" lang="ja-JP" altLang="en-US"/>
           </a:p>
@@ -4300,7 +4300,7 @@
           <a:p>
             <a:fld id="{55901588-BD2C-4781-A6F0-C1FE1912C7A8}" type="datetimeFigureOut">
               <a:rPr kumimoji="1" lang="ja-JP" altLang="en-US" smtClean="0"/>
-              <a:t>2025/7/4</a:t>
+              <a:t>2025/7/7</a:t>
             </a:fld>
             <a:endParaRPr kumimoji="1" lang="ja-JP" altLang="en-US"/>
           </a:p>
@@ -6936,6 +6936,92 @@
           </a:fontRef>
         </p:style>
       </p:cxnSp>
+      <p:sp>
+        <p:nvSpPr>
+          <p:cNvPr id="7" name="テキスト ボックス 6">
+            <a:extLst>
+              <a:ext uri="{FF2B5EF4-FFF2-40B4-BE49-F238E27FC236}">
+                <a16:creationId xmlns:a16="http://schemas.microsoft.com/office/drawing/2014/main" id="{3394CB24-07ED-874D-14A4-6274EF9683E7}"/>
+              </a:ext>
+            </a:extLst>
+          </p:cNvPr>
+          <p:cNvSpPr txBox="1"/>
+          <p:nvPr/>
+        </p:nvSpPr>
+        <p:spPr>
+          <a:xfrm>
+            <a:off x="4273795" y="3577933"/>
+            <a:ext cx="1284658" cy="307777"/>
+          </a:xfrm>
+          <a:prstGeom prst="rect">
+            <a:avLst/>
+          </a:prstGeom>
+          <a:solidFill>
+            <a:schemeClr val="accent4">
+              <a:lumMod val="20000"/>
+              <a:lumOff val="80000"/>
+            </a:schemeClr>
+          </a:solidFill>
+          <a:ln>
+            <a:solidFill>
+              <a:schemeClr val="accent1"/>
+            </a:solidFill>
+          </a:ln>
+        </p:spPr>
+        <p:txBody>
+          <a:bodyPr wrap="square" rtlCol="0" anchor="ctr" anchorCtr="1">
+            <a:spAutoFit/>
+          </a:bodyPr>
+          <a:lstStyle/>
+          <a:p>
+            <a:r>
+              <a:rPr lang="ja-JP" altLang="en-US" sz="1400" dirty="0"/>
+              <a:t>ポップアップ</a:t>
+            </a:r>
+            <a:endParaRPr lang="en-US" altLang="ja-JP" sz="1400" dirty="0"/>
+          </a:p>
+        </p:txBody>
+      </p:sp>
+      <p:cxnSp>
+        <p:nvCxnSpPr>
+          <p:cNvPr id="21" name="コネクタ: カギ線 20">
+            <a:extLst>
+              <a:ext uri="{FF2B5EF4-FFF2-40B4-BE49-F238E27FC236}">
+                <a16:creationId xmlns:a16="http://schemas.microsoft.com/office/drawing/2014/main" id="{3D7A41AC-47FB-22E9-6184-51ADAAB20E95}"/>
+              </a:ext>
+            </a:extLst>
+          </p:cNvPr>
+          <p:cNvCxnSpPr>
+            <a:cxnSpLocks/>
+            <a:stCxn id="4" idx="2"/>
+            <a:endCxn id="7" idx="1"/>
+          </p:cNvCxnSpPr>
+          <p:nvPr/>
+        </p:nvCxnSpPr>
+        <p:spPr>
+          <a:xfrm rot="16200000" flipH="1">
+            <a:off x="2600959" y="2058985"/>
+            <a:ext cx="2155549" cy="1190123"/>
+          </a:xfrm>
+          <a:prstGeom prst="bentConnector2">
+            <a:avLst/>
+          </a:prstGeom>
+        </p:spPr>
+        <p:style>
+          <a:lnRef idx="2">
+            <a:schemeClr val="accent1"/>
+          </a:lnRef>
+          <a:fillRef idx="0">
+            <a:schemeClr val="accent1"/>
+          </a:fillRef>
+          <a:effectRef idx="1">
+            <a:schemeClr val="accent1"/>
+          </a:effectRef>
+          <a:fontRef idx="minor">
+            <a:schemeClr val="tx1"/>
+          </a:fontRef>
+        </p:style>
+      </p:cxnSp>
     </p:spTree>
     <p:extLst>
       <p:ext uri="{BB962C8B-B14F-4D97-AF65-F5344CB8AC3E}">
@@ -8119,6 +8205,42 @@
           </a:fontRef>
         </p:style>
       </p:cxnSp>
+      <p:sp>
+        <p:nvSpPr>
+          <p:cNvPr id="2" name="テキスト ボックス 1">
+            <a:extLst>
+              <a:ext uri="{FF2B5EF4-FFF2-40B4-BE49-F238E27FC236}">
+                <a16:creationId xmlns:a16="http://schemas.microsoft.com/office/drawing/2014/main" id="{6B04FAF2-1BB6-B0F6-7916-629ACF414D3F}"/>
+              </a:ext>
+            </a:extLst>
+          </p:cNvPr>
+          <p:cNvSpPr txBox="1"/>
+          <p:nvPr/>
+        </p:nvSpPr>
+        <p:spPr>
+          <a:xfrm>
+            <a:off x="129016" y="891633"/>
+            <a:ext cx="3775393" cy="307777"/>
+          </a:xfrm>
+          <a:prstGeom prst="rect">
+            <a:avLst/>
+          </a:prstGeom>
+          <a:noFill/>
+        </p:spPr>
+        <p:txBody>
+          <a:bodyPr wrap="none" rtlCol="0">
+            <a:spAutoFit/>
+          </a:bodyPr>
+          <a:lstStyle/>
+          <a:p>
+            <a:r>
+              <a:rPr lang="ja-JP" altLang="en-US" sz="1400" dirty="0"/>
+              <a:t>・社内イントラネットからのみアクセス可能</a:t>
+            </a:r>
+            <a:endParaRPr kumimoji="1" lang="ja-JP" altLang="en-US" sz="1400" dirty="0"/>
+          </a:p>
+        </p:txBody>
+      </p:sp>
     </p:spTree>
     <p:extLst>
       <p:ext uri="{BB962C8B-B14F-4D97-AF65-F5344CB8AC3E}">

--- a/提案書/別紙3_ECサイトマップ.pptx
+++ b/提案書/別紙3_ECサイトマップ.pptx
@@ -199,7 +199,7 @@
           <a:p>
             <a:fld id="{B78A6BF9-15A3-449C-A41A-F00F283642E9}" type="datetimeFigureOut">
               <a:rPr kumimoji="1" lang="ja-JP" altLang="en-US" smtClean="0"/>
-              <a:t>2025/7/7</a:t>
+              <a:t>2025/8/13</a:t>
             </a:fld>
             <a:endParaRPr kumimoji="1" lang="ja-JP" altLang="en-US"/>
           </a:p>
@@ -839,7 +839,7 @@
               </a:spcAft>
               <a:buNone/>
             </a:pPr>
-            <a:endParaRPr/>
+            <a:endParaRPr dirty="0"/>
           </a:p>
         </p:txBody>
       </p:sp>
@@ -1003,7 +1003,7 @@
           <a:p>
             <a:fld id="{55901588-BD2C-4781-A6F0-C1FE1912C7A8}" type="datetimeFigureOut">
               <a:rPr kumimoji="1" lang="ja-JP" altLang="en-US" smtClean="0"/>
-              <a:t>2025/7/7</a:t>
+              <a:t>2025/8/13</a:t>
             </a:fld>
             <a:endParaRPr kumimoji="1" lang="ja-JP" altLang="en-US"/>
           </a:p>
@@ -1233,7 +1233,7 @@
           <a:p>
             <a:fld id="{55901588-BD2C-4781-A6F0-C1FE1912C7A8}" type="datetimeFigureOut">
               <a:rPr kumimoji="1" lang="ja-JP" altLang="en-US" smtClean="0"/>
-              <a:t>2025/7/7</a:t>
+              <a:t>2025/8/13</a:t>
             </a:fld>
             <a:endParaRPr kumimoji="1" lang="ja-JP" altLang="en-US"/>
           </a:p>
@@ -1473,7 +1473,7 @@
           <a:p>
             <a:fld id="{55901588-BD2C-4781-A6F0-C1FE1912C7A8}" type="datetimeFigureOut">
               <a:rPr kumimoji="1" lang="ja-JP" altLang="en-US" smtClean="0"/>
-              <a:t>2025/7/7</a:t>
+              <a:t>2025/8/13</a:t>
             </a:fld>
             <a:endParaRPr kumimoji="1" lang="ja-JP" altLang="en-US"/>
           </a:p>
@@ -2062,7 +2062,7 @@
           <a:p>
             <a:fld id="{55901588-BD2C-4781-A6F0-C1FE1912C7A8}" type="datetimeFigureOut">
               <a:rPr kumimoji="1" lang="ja-JP" altLang="en-US" smtClean="0"/>
-              <a:t>2025/7/7</a:t>
+              <a:t>2025/8/13</a:t>
             </a:fld>
             <a:endParaRPr kumimoji="1" lang="ja-JP" altLang="en-US"/>
           </a:p>
@@ -2337,7 +2337,7 @@
           <a:p>
             <a:fld id="{55901588-BD2C-4781-A6F0-C1FE1912C7A8}" type="datetimeFigureOut">
               <a:rPr kumimoji="1" lang="ja-JP" altLang="en-US" smtClean="0"/>
-              <a:t>2025/7/7</a:t>
+              <a:t>2025/8/13</a:t>
             </a:fld>
             <a:endParaRPr kumimoji="1" lang="ja-JP" altLang="en-US"/>
           </a:p>
@@ -2666,7 +2666,7 @@
           <a:p>
             <a:fld id="{55901588-BD2C-4781-A6F0-C1FE1912C7A8}" type="datetimeFigureOut">
               <a:rPr kumimoji="1" lang="ja-JP" altLang="en-US" smtClean="0"/>
-              <a:t>2025/7/7</a:t>
+              <a:t>2025/8/13</a:t>
             </a:fld>
             <a:endParaRPr kumimoji="1" lang="ja-JP" altLang="en-US"/>
           </a:p>
@@ -3142,7 +3142,7 @@
           <a:p>
             <a:fld id="{55901588-BD2C-4781-A6F0-C1FE1912C7A8}" type="datetimeFigureOut">
               <a:rPr kumimoji="1" lang="ja-JP" altLang="en-US" smtClean="0"/>
-              <a:t>2025/7/7</a:t>
+              <a:t>2025/8/13</a:t>
             </a:fld>
             <a:endParaRPr kumimoji="1" lang="ja-JP" altLang="en-US"/>
           </a:p>
@@ -3283,7 +3283,7 @@
           <a:p>
             <a:fld id="{55901588-BD2C-4781-A6F0-C1FE1912C7A8}" type="datetimeFigureOut">
               <a:rPr kumimoji="1" lang="ja-JP" altLang="en-US" smtClean="0"/>
-              <a:t>2025/7/7</a:t>
+              <a:t>2025/8/13</a:t>
             </a:fld>
             <a:endParaRPr kumimoji="1" lang="ja-JP" altLang="en-US"/>
           </a:p>
@@ -3396,7 +3396,7 @@
           <a:p>
             <a:fld id="{55901588-BD2C-4781-A6F0-C1FE1912C7A8}" type="datetimeFigureOut">
               <a:rPr kumimoji="1" lang="ja-JP" altLang="en-US" smtClean="0"/>
-              <a:t>2025/7/7</a:t>
+              <a:t>2025/8/13</a:t>
             </a:fld>
             <a:endParaRPr kumimoji="1" lang="ja-JP" altLang="en-US"/>
           </a:p>
@@ -3739,7 +3739,7 @@
           <a:p>
             <a:fld id="{55901588-BD2C-4781-A6F0-C1FE1912C7A8}" type="datetimeFigureOut">
               <a:rPr kumimoji="1" lang="ja-JP" altLang="en-US" smtClean="0"/>
-              <a:t>2025/7/7</a:t>
+              <a:t>2025/8/13</a:t>
             </a:fld>
             <a:endParaRPr kumimoji="1" lang="ja-JP" altLang="en-US"/>
           </a:p>
@@ -4027,7 +4027,7 @@
           <a:p>
             <a:fld id="{55901588-BD2C-4781-A6F0-C1FE1912C7A8}" type="datetimeFigureOut">
               <a:rPr kumimoji="1" lang="ja-JP" altLang="en-US" smtClean="0"/>
-              <a:t>2025/7/7</a:t>
+              <a:t>2025/8/13</a:t>
             </a:fld>
             <a:endParaRPr kumimoji="1" lang="ja-JP" altLang="en-US"/>
           </a:p>
@@ -4300,7 +4300,7 @@
           <a:p>
             <a:fld id="{55901588-BD2C-4781-A6F0-C1FE1912C7A8}" type="datetimeFigureOut">
               <a:rPr kumimoji="1" lang="ja-JP" altLang="en-US" smtClean="0"/>
-              <a:t>2025/7/7</a:t>
+              <a:t>2025/8/13</a:t>
             </a:fld>
             <a:endParaRPr kumimoji="1" lang="ja-JP" altLang="en-US"/>
           </a:p>
@@ -7315,7 +7315,7 @@
         <p:spPr>
           <a:xfrm>
             <a:off x="4422003" y="3947023"/>
-            <a:ext cx="1669125" cy="307777"/>
+            <a:ext cx="2042965" cy="307777"/>
           </a:xfrm>
           <a:prstGeom prst="rect">
             <a:avLst/>
@@ -7342,7 +7342,23 @@
               <a:rPr lang="ja-JP" altLang="en-US" sz="1400" dirty="0"/>
               <a:t>受注管理</a:t>
             </a:r>
-            <a:endParaRPr lang="en-US" altLang="ja-JP" sz="1400" dirty="0"/>
+            <a:r>
+              <a:rPr lang="en-US" altLang="ja-JP" sz="1400" dirty="0"/>
+              <a:t>/</a:t>
+            </a:r>
+            <a:r>
+              <a:rPr lang="ja-JP" altLang="en-US" sz="1400" dirty="0">
+                <a:solidFill>
+                  <a:srgbClr val="FF0000"/>
+                </a:solidFill>
+              </a:rPr>
+              <a:t>受取管理</a:t>
+            </a:r>
+            <a:endParaRPr lang="en-US" altLang="ja-JP" sz="1400" dirty="0">
+              <a:solidFill>
+                <a:srgbClr val="FF0000"/>
+              </a:solidFill>
+            </a:endParaRPr>
           </a:p>
         </p:txBody>
       </p:sp>
@@ -8241,6 +8257,94 @@
           </a:p>
         </p:txBody>
       </p:sp>
+      <p:sp>
+        <p:nvSpPr>
+          <p:cNvPr id="4" name="テキスト ボックス 3">
+            <a:extLst>
+              <a:ext uri="{FF2B5EF4-FFF2-40B4-BE49-F238E27FC236}">
+                <a16:creationId xmlns:a16="http://schemas.microsoft.com/office/drawing/2014/main" id="{C0D4B3E5-929B-BAD2-7659-E46A8A94D957}"/>
+              </a:ext>
+            </a:extLst>
+          </p:cNvPr>
+          <p:cNvSpPr txBox="1"/>
+          <p:nvPr/>
+        </p:nvSpPr>
+        <p:spPr>
+          <a:xfrm>
+            <a:off x="4422002" y="4927165"/>
+            <a:ext cx="1669125" cy="307777"/>
+          </a:xfrm>
+          <a:prstGeom prst="rect">
+            <a:avLst/>
+          </a:prstGeom>
+          <a:solidFill>
+            <a:schemeClr val="accent4">
+              <a:lumMod val="20000"/>
+              <a:lumOff val="80000"/>
+            </a:schemeClr>
+          </a:solidFill>
+          <a:ln>
+            <a:solidFill>
+              <a:schemeClr val="accent1"/>
+            </a:solidFill>
+          </a:ln>
+        </p:spPr>
+        <p:txBody>
+          <a:bodyPr wrap="square" rtlCol="0" anchor="ctr" anchorCtr="1">
+            <a:spAutoFit/>
+          </a:bodyPr>
+          <a:lstStyle/>
+          <a:p>
+            <a:r>
+              <a:rPr lang="ja-JP" altLang="en-US" sz="1400" dirty="0"/>
+              <a:t>在庫管理</a:t>
+            </a:r>
+            <a:endParaRPr lang="en-US" altLang="ja-JP" sz="1400" dirty="0"/>
+          </a:p>
+        </p:txBody>
+      </p:sp>
+      <p:cxnSp>
+        <p:nvCxnSpPr>
+          <p:cNvPr id="5" name="コネクタ: カギ線 4">
+            <a:extLst>
+              <a:ext uri="{FF2B5EF4-FFF2-40B4-BE49-F238E27FC236}">
+                <a16:creationId xmlns:a16="http://schemas.microsoft.com/office/drawing/2014/main" id="{785A26BC-F3BB-7060-831E-A46C4134B62A}"/>
+              </a:ext>
+            </a:extLst>
+          </p:cNvPr>
+          <p:cNvCxnSpPr>
+            <a:cxnSpLocks/>
+            <a:stCxn id="126" idx="3"/>
+            <a:endCxn id="4" idx="1"/>
+          </p:cNvCxnSpPr>
+          <p:nvPr/>
+        </p:nvCxnSpPr>
+        <p:spPr>
+          <a:xfrm>
+            <a:off x="3386816" y="3309708"/>
+            <a:ext cx="1035186" cy="1771346"/>
+          </a:xfrm>
+          <a:prstGeom prst="bentConnector3">
+            <a:avLst>
+              <a:gd name="adj1" fmla="val 50000"/>
+            </a:avLst>
+          </a:prstGeom>
+        </p:spPr>
+        <p:style>
+          <a:lnRef idx="2">
+            <a:schemeClr val="accent1"/>
+          </a:lnRef>
+          <a:fillRef idx="0">
+            <a:schemeClr val="accent1"/>
+          </a:fillRef>
+          <a:effectRef idx="1">
+            <a:schemeClr val="accent1"/>
+          </a:effectRef>
+          <a:fontRef idx="minor">
+            <a:schemeClr val="tx1"/>
+          </a:fontRef>
+        </p:style>
+      </p:cxnSp>
     </p:spTree>
     <p:extLst>
       <p:ext uri="{BB962C8B-B14F-4D97-AF65-F5344CB8AC3E}">

--- a/提案書/別紙3_ECサイトマップ.pptx
+++ b/提案書/別紙3_ECサイトマップ.pptx
@@ -199,7 +199,7 @@
           <a:p>
             <a:fld id="{B78A6BF9-15A3-449C-A41A-F00F283642E9}" type="datetimeFigureOut">
               <a:rPr kumimoji="1" lang="ja-JP" altLang="en-US" smtClean="0"/>
-              <a:t>2025/8/13</a:t>
+              <a:t>2025/8/15</a:t>
             </a:fld>
             <a:endParaRPr kumimoji="1" lang="ja-JP" altLang="en-US"/>
           </a:p>
@@ -1003,7 +1003,7 @@
           <a:p>
             <a:fld id="{55901588-BD2C-4781-A6F0-C1FE1912C7A8}" type="datetimeFigureOut">
               <a:rPr kumimoji="1" lang="ja-JP" altLang="en-US" smtClean="0"/>
-              <a:t>2025/8/13</a:t>
+              <a:t>2025/8/15</a:t>
             </a:fld>
             <a:endParaRPr kumimoji="1" lang="ja-JP" altLang="en-US"/>
           </a:p>
@@ -1233,7 +1233,7 @@
           <a:p>
             <a:fld id="{55901588-BD2C-4781-A6F0-C1FE1912C7A8}" type="datetimeFigureOut">
               <a:rPr kumimoji="1" lang="ja-JP" altLang="en-US" smtClean="0"/>
-              <a:t>2025/8/13</a:t>
+              <a:t>2025/8/15</a:t>
             </a:fld>
             <a:endParaRPr kumimoji="1" lang="ja-JP" altLang="en-US"/>
           </a:p>
@@ -1473,7 +1473,7 @@
           <a:p>
             <a:fld id="{55901588-BD2C-4781-A6F0-C1FE1912C7A8}" type="datetimeFigureOut">
               <a:rPr kumimoji="1" lang="ja-JP" altLang="en-US" smtClean="0"/>
-              <a:t>2025/8/13</a:t>
+              <a:t>2025/8/15</a:t>
             </a:fld>
             <a:endParaRPr kumimoji="1" lang="ja-JP" altLang="en-US"/>
           </a:p>
@@ -2062,7 +2062,7 @@
           <a:p>
             <a:fld id="{55901588-BD2C-4781-A6F0-C1FE1912C7A8}" type="datetimeFigureOut">
               <a:rPr kumimoji="1" lang="ja-JP" altLang="en-US" smtClean="0"/>
-              <a:t>2025/8/13</a:t>
+              <a:t>2025/8/15</a:t>
             </a:fld>
             <a:endParaRPr kumimoji="1" lang="ja-JP" altLang="en-US"/>
           </a:p>
@@ -2337,7 +2337,7 @@
           <a:p>
             <a:fld id="{55901588-BD2C-4781-A6F0-C1FE1912C7A8}" type="datetimeFigureOut">
               <a:rPr kumimoji="1" lang="ja-JP" altLang="en-US" smtClean="0"/>
-              <a:t>2025/8/13</a:t>
+              <a:t>2025/8/15</a:t>
             </a:fld>
             <a:endParaRPr kumimoji="1" lang="ja-JP" altLang="en-US"/>
           </a:p>
@@ -2666,7 +2666,7 @@
           <a:p>
             <a:fld id="{55901588-BD2C-4781-A6F0-C1FE1912C7A8}" type="datetimeFigureOut">
               <a:rPr kumimoji="1" lang="ja-JP" altLang="en-US" smtClean="0"/>
-              <a:t>2025/8/13</a:t>
+              <a:t>2025/8/15</a:t>
             </a:fld>
             <a:endParaRPr kumimoji="1" lang="ja-JP" altLang="en-US"/>
           </a:p>
@@ -3142,7 +3142,7 @@
           <a:p>
             <a:fld id="{55901588-BD2C-4781-A6F0-C1FE1912C7A8}" type="datetimeFigureOut">
               <a:rPr kumimoji="1" lang="ja-JP" altLang="en-US" smtClean="0"/>
-              <a:t>2025/8/13</a:t>
+              <a:t>2025/8/15</a:t>
             </a:fld>
             <a:endParaRPr kumimoji="1" lang="ja-JP" altLang="en-US"/>
           </a:p>
@@ -3283,7 +3283,7 @@
           <a:p>
             <a:fld id="{55901588-BD2C-4781-A6F0-C1FE1912C7A8}" type="datetimeFigureOut">
               <a:rPr kumimoji="1" lang="ja-JP" altLang="en-US" smtClean="0"/>
-              <a:t>2025/8/13</a:t>
+              <a:t>2025/8/15</a:t>
             </a:fld>
             <a:endParaRPr kumimoji="1" lang="ja-JP" altLang="en-US"/>
           </a:p>
@@ -3396,7 +3396,7 @@
           <a:p>
             <a:fld id="{55901588-BD2C-4781-A6F0-C1FE1912C7A8}" type="datetimeFigureOut">
               <a:rPr kumimoji="1" lang="ja-JP" altLang="en-US" smtClean="0"/>
-              <a:t>2025/8/13</a:t>
+              <a:t>2025/8/15</a:t>
             </a:fld>
             <a:endParaRPr kumimoji="1" lang="ja-JP" altLang="en-US"/>
           </a:p>
@@ -3739,7 +3739,7 @@
           <a:p>
             <a:fld id="{55901588-BD2C-4781-A6F0-C1FE1912C7A8}" type="datetimeFigureOut">
               <a:rPr kumimoji="1" lang="ja-JP" altLang="en-US" smtClean="0"/>
-              <a:t>2025/8/13</a:t>
+              <a:t>2025/8/15</a:t>
             </a:fld>
             <a:endParaRPr kumimoji="1" lang="ja-JP" altLang="en-US"/>
           </a:p>
@@ -4027,7 +4027,7 @@
           <a:p>
             <a:fld id="{55901588-BD2C-4781-A6F0-C1FE1912C7A8}" type="datetimeFigureOut">
               <a:rPr kumimoji="1" lang="ja-JP" altLang="en-US" smtClean="0"/>
-              <a:t>2025/8/13</a:t>
+              <a:t>2025/8/15</a:t>
             </a:fld>
             <a:endParaRPr kumimoji="1" lang="ja-JP" altLang="en-US"/>
           </a:p>
@@ -4300,7 +4300,7 @@
           <a:p>
             <a:fld id="{55901588-BD2C-4781-A6F0-C1FE1912C7A8}" type="datetimeFigureOut">
               <a:rPr kumimoji="1" lang="ja-JP" altLang="en-US" smtClean="0"/>
-              <a:t>2025/8/13</a:t>
+              <a:t>2025/8/15</a:t>
             </a:fld>
             <a:endParaRPr kumimoji="1" lang="ja-JP" altLang="en-US"/>
           </a:p>
@@ -7347,18 +7347,10 @@
               <a:t>/</a:t>
             </a:r>
             <a:r>
-              <a:rPr lang="ja-JP" altLang="en-US" sz="1400" dirty="0">
-                <a:solidFill>
-                  <a:srgbClr val="FF0000"/>
-                </a:solidFill>
-              </a:rPr>
+              <a:rPr lang="ja-JP" altLang="en-US" sz="1400" dirty="0"/>
               <a:t>受取管理</a:t>
             </a:r>
-            <a:endParaRPr lang="en-US" altLang="ja-JP" sz="1400" dirty="0">
-              <a:solidFill>
-                <a:srgbClr val="FF0000"/>
-              </a:solidFill>
-            </a:endParaRPr>
+            <a:endParaRPr lang="en-US" altLang="ja-JP" sz="1400" dirty="0"/>
           </a:p>
         </p:txBody>
       </p:sp>
